--- a/fall17/slidesF17/trees-minimum.pptx
+++ b/fall17/slidesF17/trees-minimum.pptx
@@ -5,10 +5,10 @@
     <p:sldMasterId id="2147483650" r:id="rId1"/>
   </p:sldMasterIdLst>
   <p:notesMasterIdLst>
-    <p:notesMasterId r:id="rId21"/>
+    <p:notesMasterId r:id="rId22"/>
   </p:notesMasterIdLst>
   <p:handoutMasterIdLst>
-    <p:handoutMasterId r:id="rId22"/>
+    <p:handoutMasterId r:id="rId23"/>
   </p:handoutMasterIdLst>
   <p:sldIdLst>
     <p:sldId id="990" r:id="rId2"/>
@@ -30,11 +30,12 @@
     <p:sldId id="1049" r:id="rId18"/>
     <p:sldId id="1039" r:id="rId19"/>
     <p:sldId id="1040" r:id="rId20"/>
+    <p:sldId id="1051" r:id="rId21"/>
   </p:sldIdLst>
   <p:sldSz cx="9144000" cy="6858000" type="screen4x3"/>
   <p:notesSz cx="9601200" cy="7315200"/>
   <p:custDataLst>
-    <p:tags r:id="rId24"/>
+    <p:tags r:id="rId25"/>
   </p:custDataLst>
   <p:defaultTextStyle>
     <a:defPPr>
@@ -3660,13 +3661,7 @@
               <a:rPr lang="en-US" sz="1200" dirty="0" smtClean="0">
                 <a:latin typeface="Comic Sans MS" pitchFamily="66" charset="0"/>
               </a:rPr>
-              <a:t>,    </a:t>
-            </a:r>
-            <a:r>
-              <a:rPr lang="en-US" sz="1200" dirty="0" smtClean="0">
-                <a:latin typeface="Comic Sans MS" pitchFamily="66" charset="0"/>
-              </a:rPr>
-              <a:t>April</a:t>
+              <a:t>,    April</a:t>
             </a:r>
             <a:r>
               <a:rPr lang="en-US" sz="1200" baseline="0" dirty="0" smtClean="0">
@@ -14799,6 +14794,543 @@
     </p:tnLst>
     <p:bldLst>
       <p:bldP spid="109" grpId="0"/>
+    </p:bldLst>
+  </p:timing>
+</p:sld>
+</file>
+
+<file path=ppt/slides/slide20.xml><?xml version="1.0" encoding="utf-8"?>
+<p:sld xmlns:a="http://schemas.openxmlformats.org/drawingml/2006/main" xmlns:r="http://schemas.openxmlformats.org/officeDocument/2006/relationships" xmlns:p="http://schemas.openxmlformats.org/presentationml/2006/main">
+  <p:cSld>
+    <p:spTree>
+      <p:nvGrpSpPr>
+        <p:cNvPr id="1" name=""/>
+        <p:cNvGrpSpPr/>
+        <p:nvPr/>
+      </p:nvGrpSpPr>
+      <p:grpSpPr>
+        <a:xfrm>
+          <a:off x="0" y="0"/>
+          <a:ext cx="0" cy="0"/>
+          <a:chOff x="0" y="0"/>
+          <a:chExt cx="0" cy="0"/>
+        </a:xfrm>
+      </p:grpSpPr>
+      <p:sp>
+        <p:nvSpPr>
+          <p:cNvPr id="2" name="Title 1"/>
+          <p:cNvSpPr>
+            <a:spLocks noGrp="1"/>
+          </p:cNvSpPr>
+          <p:nvPr>
+            <p:ph type="title"/>
+          </p:nvPr>
+        </p:nvSpPr>
+        <p:spPr>
+          <a:xfrm>
+            <a:off x="1892971" y="0"/>
+            <a:ext cx="6159380" cy="1152275"/>
+          </a:xfrm>
+        </p:spPr>
+        <p:txBody>
+          <a:bodyPr/>
+          <a:lstStyle/>
+          <a:p>
+            <a:r>
+              <a:rPr lang="en-US" dirty="0" smtClean="0"/>
+              <a:t>Enough Gray Edges</a:t>
+            </a:r>
+            <a:endParaRPr lang="en-US" dirty="0"/>
+          </a:p>
+        </p:txBody>
+      </p:sp>
+      <p:sp>
+        <p:nvSpPr>
+          <p:cNvPr id="3" name="Content Placeholder 2"/>
+          <p:cNvSpPr>
+            <a:spLocks noGrp="1"/>
+          </p:cNvSpPr>
+          <p:nvPr>
+            <p:ph idx="1"/>
+          </p:nvPr>
+        </p:nvSpPr>
+        <p:spPr>
+          <a:xfrm>
+            <a:off x="541774" y="1049160"/>
+            <a:ext cx="8099771" cy="5078848"/>
+          </a:xfrm>
+        </p:spPr>
+        <p:txBody>
+          <a:bodyPr/>
+          <a:lstStyle/>
+          <a:p>
+            <a:r>
+              <a:rPr lang="en-US" sz="3600" dirty="0" smtClean="0"/>
+              <a:t>We have shown</a:t>
+            </a:r>
+          </a:p>
+          <a:p>
+            <a:r>
+              <a:rPr lang="en-US" sz="3600" dirty="0" smtClean="0">
+                <a:solidFill>
+                  <a:srgbClr val="996633"/>
+                </a:solidFill>
+              </a:rPr>
+              <a:t>Theorem</a:t>
+            </a:r>
+            <a:r>
+              <a:rPr lang="en-US" dirty="0" smtClean="0"/>
+              <a:t>:  </a:t>
+            </a:r>
+            <a:r>
+              <a:rPr lang="en-US" dirty="0" smtClean="0">
+                <a:solidFill>
+                  <a:schemeClr val="tx2"/>
+                </a:solidFill>
+              </a:rPr>
+              <a:t>Any connected graph has a spanning tree whose</a:t>
+            </a:r>
+          </a:p>
+          <a:p>
+            <a:pPr algn="ctr"/>
+            <a:r>
+              <a:rPr lang="en-US" dirty="0" smtClean="0">
+                <a:solidFill>
+                  <a:srgbClr val="1AA411"/>
+                </a:solidFill>
+              </a:rPr>
+              <a:t>edges are all min weight</a:t>
+            </a:r>
+          </a:p>
+          <a:p>
+            <a:pPr algn="ctr"/>
+            <a:r>
+              <a:rPr lang="en-US" dirty="0">
+                <a:solidFill>
+                  <a:srgbClr val="1AA411"/>
+                </a:solidFill>
+              </a:rPr>
+              <a:t> </a:t>
+            </a:r>
+            <a:r>
+              <a:rPr lang="en-US" dirty="0" smtClean="0">
+                <a:solidFill>
+                  <a:srgbClr val="1AA411"/>
+                </a:solidFill>
+              </a:rPr>
+              <a:t>     gray edges.</a:t>
+            </a:r>
+          </a:p>
+          <a:p>
+            <a:r>
+              <a:rPr lang="en-US" dirty="0" smtClean="0">
+                <a:solidFill>
+                  <a:schemeClr val="tx1">
+                    <a:lumMod val="95000"/>
+                    <a:lumOff val="5000"/>
+                  </a:schemeClr>
+                </a:solidFill>
+              </a:rPr>
+              <a:t>Still to prove:</a:t>
+            </a:r>
+          </a:p>
+          <a:p>
+            <a:r>
+              <a:rPr lang="en-US" dirty="0" smtClean="0">
+                <a:solidFill>
+                  <a:schemeClr val="tx1">
+                    <a:lumMod val="95000"/>
+                    <a:lumOff val="5000"/>
+                  </a:schemeClr>
+                </a:solidFill>
+              </a:rPr>
+              <a:t> </a:t>
+            </a:r>
+            <a:r>
+              <a:rPr lang="en-US" smtClean="0">
+                <a:solidFill>
+                  <a:schemeClr val="tx1">
+                    <a:lumMod val="95000"/>
+                    <a:lumOff val="5000"/>
+                  </a:schemeClr>
+                </a:solidFill>
+              </a:rPr>
+              <a:t>   any such </a:t>
+            </a:r>
+            <a:r>
+              <a:rPr lang="en-US" dirty="0" smtClean="0">
+                <a:solidFill>
+                  <a:schemeClr val="tx1">
+                    <a:lumMod val="95000"/>
+                    <a:lumOff val="5000"/>
+                  </a:schemeClr>
+                </a:solidFill>
+              </a:rPr>
+              <a:t>tree is min-weight</a:t>
+            </a:r>
+            <a:endParaRPr lang="en-US" dirty="0">
+              <a:solidFill>
+                <a:schemeClr val="tx1">
+                  <a:lumMod val="95000"/>
+                  <a:lumOff val="5000"/>
+                </a:schemeClr>
+              </a:solidFill>
+            </a:endParaRPr>
+          </a:p>
+        </p:txBody>
+      </p:sp>
+      <p:sp>
+        <p:nvSpPr>
+          <p:cNvPr id="4" name="Slide Number Placeholder 3"/>
+          <p:cNvSpPr>
+            <a:spLocks noGrp="1"/>
+          </p:cNvSpPr>
+          <p:nvPr>
+            <p:ph type="sldNum" sz="quarter" idx="10"/>
+          </p:nvPr>
+        </p:nvSpPr>
+        <p:spPr/>
+        <p:txBody>
+          <a:bodyPr/>
+          <a:lstStyle/>
+          <a:p>
+            <a:pPr>
+              <a:defRPr/>
+            </a:pPr>
+            <a:r>
+              <a:rPr lang="en-US" smtClean="0"/>
+              <a:t>mintree.</a:t>
+            </a:r>
+            <a:fld id="{0D6CA1FB-2B00-4BCF-BEED-EFC5FEA944B9}" type="slidenum">
+              <a:rPr lang="en-US" smtClean="0"/>
+              <a:pPr>
+                <a:defRPr/>
+              </a:pPr>
+              <a:t>20</a:t>
+            </a:fld>
+            <a:endParaRPr lang="en-US" dirty="0"/>
+          </a:p>
+        </p:txBody>
+      </p:sp>
+    </p:spTree>
+    <p:extLst>
+      <p:ext uri="{BB962C8B-B14F-4D97-AF65-F5344CB8AC3E}">
+        <p14:creationId xmlns:p14="http://schemas.microsoft.com/office/powerpoint/2010/main" val="2836106092"/>
+      </p:ext>
+    </p:extLst>
+  </p:cSld>
+  <p:clrMapOvr>
+    <a:masterClrMapping/>
+  </p:clrMapOvr>
+  <p:timing>
+    <p:tnLst>
+      <p:par>
+        <p:cTn xmlns:p14="http://schemas.microsoft.com/office/powerpoint/2010/main" id="1" dur="indefinite" restart="never" nodeType="tmRoot">
+          <p:childTnLst>
+            <p:seq concurrent="1" nextAc="seek">
+              <p:cTn id="2" dur="indefinite" nodeType="mainSeq">
+                <p:childTnLst>
+                  <p:par>
+                    <p:cTn id="3" fill="hold">
+                      <p:stCondLst>
+                        <p:cond delay="indefinite"/>
+                      </p:stCondLst>
+                      <p:childTnLst>
+                        <p:par>
+                          <p:cTn id="4" fill="hold">
+                            <p:stCondLst>
+                              <p:cond delay="0"/>
+                            </p:stCondLst>
+                            <p:childTnLst>
+                              <p:par>
+                                <p:cTn id="5" presetID="10" presetClass="entr" presetSubtype="0" fill="hold" grpId="0" nodeType="clickEffect">
+                                  <p:stCondLst>
+                                    <p:cond delay="0"/>
+                                  </p:stCondLst>
+                                  <p:childTnLst>
+                                    <p:set>
+                                      <p:cBhvr>
+                                        <p:cTn id="6" dur="1" fill="hold">
+                                          <p:stCondLst>
+                                            <p:cond delay="0"/>
+                                          </p:stCondLst>
+                                        </p:cTn>
+                                        <p:tgtEl>
+                                          <p:spTgt spid="3">
+                                            <p:txEl>
+                                              <p:pRg st="1" end="1"/>
+                                            </p:txEl>
+                                          </p:spTgt>
+                                        </p:tgtEl>
+                                        <p:attrNameLst>
+                                          <p:attrName>style.visibility</p:attrName>
+                                        </p:attrNameLst>
+                                      </p:cBhvr>
+                                      <p:to>
+                                        <p:strVal val="visible"/>
+                                      </p:to>
+                                    </p:set>
+                                    <p:animEffect transition="in" filter="fade">
+                                      <p:cBhvr>
+                                        <p:cTn id="7" dur="500"/>
+                                        <p:tgtEl>
+                                          <p:spTgt spid="3">
+                                            <p:txEl>
+                                              <p:pRg st="1" end="1"/>
+                                            </p:txEl>
+                                          </p:spTgt>
+                                        </p:tgtEl>
+                                      </p:cBhvr>
+                                    </p:animEffect>
+                                  </p:childTnLst>
+                                </p:cTn>
+                              </p:par>
+                            </p:childTnLst>
+                          </p:cTn>
+                        </p:par>
+                      </p:childTnLst>
+                    </p:cTn>
+                  </p:par>
+                  <p:par>
+                    <p:cTn id="8" fill="hold">
+                      <p:stCondLst>
+                        <p:cond delay="indefinite"/>
+                      </p:stCondLst>
+                      <p:childTnLst>
+                        <p:par>
+                          <p:cTn id="9" fill="hold">
+                            <p:stCondLst>
+                              <p:cond delay="0"/>
+                            </p:stCondLst>
+                            <p:childTnLst>
+                              <p:par>
+                                <p:cTn id="10" presetID="10" presetClass="entr" presetSubtype="0" fill="hold" grpId="0" nodeType="clickEffect">
+                                  <p:stCondLst>
+                                    <p:cond delay="0"/>
+                                  </p:stCondLst>
+                                  <p:childTnLst>
+                                    <p:set>
+                                      <p:cBhvr>
+                                        <p:cTn id="11" dur="1" fill="hold">
+                                          <p:stCondLst>
+                                            <p:cond delay="0"/>
+                                          </p:stCondLst>
+                                        </p:cTn>
+                                        <p:tgtEl>
+                                          <p:spTgt spid="3">
+                                            <p:txEl>
+                                              <p:pRg st="2" end="2"/>
+                                            </p:txEl>
+                                          </p:spTgt>
+                                        </p:tgtEl>
+                                        <p:attrNameLst>
+                                          <p:attrName>style.visibility</p:attrName>
+                                        </p:attrNameLst>
+                                      </p:cBhvr>
+                                      <p:to>
+                                        <p:strVal val="visible"/>
+                                      </p:to>
+                                    </p:set>
+                                    <p:animEffect transition="in" filter="fade">
+                                      <p:cBhvr>
+                                        <p:cTn id="12" dur="500"/>
+                                        <p:tgtEl>
+                                          <p:spTgt spid="3">
+                                            <p:txEl>
+                                              <p:pRg st="2" end="2"/>
+                                            </p:txEl>
+                                          </p:spTgt>
+                                        </p:tgtEl>
+                                      </p:cBhvr>
+                                    </p:animEffect>
+                                  </p:childTnLst>
+                                </p:cTn>
+                              </p:par>
+                              <p:par>
+                                <p:cTn id="13" presetID="10" presetClass="entr" presetSubtype="0" fill="hold" grpId="0" nodeType="withEffect">
+                                  <p:stCondLst>
+                                    <p:cond delay="0"/>
+                                  </p:stCondLst>
+                                  <p:childTnLst>
+                                    <p:set>
+                                      <p:cBhvr>
+                                        <p:cTn id="14" dur="1" fill="hold">
+                                          <p:stCondLst>
+                                            <p:cond delay="0"/>
+                                          </p:stCondLst>
+                                        </p:cTn>
+                                        <p:tgtEl>
+                                          <p:spTgt spid="3">
+                                            <p:txEl>
+                                              <p:pRg st="3" end="3"/>
+                                            </p:txEl>
+                                          </p:spTgt>
+                                        </p:tgtEl>
+                                        <p:attrNameLst>
+                                          <p:attrName>style.visibility</p:attrName>
+                                        </p:attrNameLst>
+                                      </p:cBhvr>
+                                      <p:to>
+                                        <p:strVal val="visible"/>
+                                      </p:to>
+                                    </p:set>
+                                    <p:animEffect transition="in" filter="fade">
+                                      <p:cBhvr>
+                                        <p:cTn id="15" dur="500"/>
+                                        <p:tgtEl>
+                                          <p:spTgt spid="3">
+                                            <p:txEl>
+                                              <p:pRg st="3" end="3"/>
+                                            </p:txEl>
+                                          </p:spTgt>
+                                        </p:tgtEl>
+                                      </p:cBhvr>
+                                    </p:animEffect>
+                                  </p:childTnLst>
+                                </p:cTn>
+                              </p:par>
+                            </p:childTnLst>
+                          </p:cTn>
+                        </p:par>
+                      </p:childTnLst>
+                    </p:cTn>
+                  </p:par>
+                  <p:par>
+                    <p:cTn id="16" fill="hold">
+                      <p:stCondLst>
+                        <p:cond delay="indefinite"/>
+                      </p:stCondLst>
+                      <p:childTnLst>
+                        <p:par>
+                          <p:cTn id="17" fill="hold">
+                            <p:stCondLst>
+                              <p:cond delay="0"/>
+                            </p:stCondLst>
+                            <p:childTnLst>
+                              <p:par>
+                                <p:cTn id="18" presetID="10" presetClass="entr" presetSubtype="0" fill="hold" grpId="0" nodeType="clickEffect">
+                                  <p:stCondLst>
+                                    <p:cond delay="0"/>
+                                  </p:stCondLst>
+                                  <p:childTnLst>
+                                    <p:set>
+                                      <p:cBhvr>
+                                        <p:cTn id="19" dur="1" fill="hold">
+                                          <p:stCondLst>
+                                            <p:cond delay="0"/>
+                                          </p:stCondLst>
+                                        </p:cTn>
+                                        <p:tgtEl>
+                                          <p:spTgt spid="3">
+                                            <p:txEl>
+                                              <p:pRg st="4" end="4"/>
+                                            </p:txEl>
+                                          </p:spTgt>
+                                        </p:tgtEl>
+                                        <p:attrNameLst>
+                                          <p:attrName>style.visibility</p:attrName>
+                                        </p:attrNameLst>
+                                      </p:cBhvr>
+                                      <p:to>
+                                        <p:strVal val="visible"/>
+                                      </p:to>
+                                    </p:set>
+                                    <p:animEffect transition="in" filter="fade">
+                                      <p:cBhvr>
+                                        <p:cTn id="20" dur="500"/>
+                                        <p:tgtEl>
+                                          <p:spTgt spid="3">
+                                            <p:txEl>
+                                              <p:pRg st="4" end="4"/>
+                                            </p:txEl>
+                                          </p:spTgt>
+                                        </p:tgtEl>
+                                      </p:cBhvr>
+                                    </p:animEffect>
+                                  </p:childTnLst>
+                                </p:cTn>
+                              </p:par>
+                            </p:childTnLst>
+                          </p:cTn>
+                        </p:par>
+                        <p:par>
+                          <p:cTn id="21" fill="hold">
+                            <p:stCondLst>
+                              <p:cond delay="500"/>
+                            </p:stCondLst>
+                            <p:childTnLst>
+                              <p:par>
+                                <p:cTn id="22" presetID="10" presetClass="entr" presetSubtype="0" fill="hold" grpId="0" nodeType="afterEffect">
+                                  <p:stCondLst>
+                                    <p:cond delay="0"/>
+                                  </p:stCondLst>
+                                  <p:childTnLst>
+                                    <p:set>
+                                      <p:cBhvr>
+                                        <p:cTn id="23" dur="1" fill="hold">
+                                          <p:stCondLst>
+                                            <p:cond delay="0"/>
+                                          </p:stCondLst>
+                                        </p:cTn>
+                                        <p:tgtEl>
+                                          <p:spTgt spid="3">
+                                            <p:txEl>
+                                              <p:pRg st="5" end="5"/>
+                                            </p:txEl>
+                                          </p:spTgt>
+                                        </p:tgtEl>
+                                        <p:attrNameLst>
+                                          <p:attrName>style.visibility</p:attrName>
+                                        </p:attrNameLst>
+                                      </p:cBhvr>
+                                      <p:to>
+                                        <p:strVal val="visible"/>
+                                      </p:to>
+                                    </p:set>
+                                    <p:animEffect transition="in" filter="fade">
+                                      <p:cBhvr>
+                                        <p:cTn id="24" dur="500"/>
+                                        <p:tgtEl>
+                                          <p:spTgt spid="3">
+                                            <p:txEl>
+                                              <p:pRg st="5" end="5"/>
+                                            </p:txEl>
+                                          </p:spTgt>
+                                        </p:tgtEl>
+                                      </p:cBhvr>
+                                    </p:animEffect>
+                                  </p:childTnLst>
+                                </p:cTn>
+                              </p:par>
+                            </p:childTnLst>
+                          </p:cTn>
+                        </p:par>
+                      </p:childTnLst>
+                    </p:cTn>
+                  </p:par>
+                </p:childTnLst>
+              </p:cTn>
+              <p:prevCondLst>
+                <p:cond evt="onPrev" delay="0">
+                  <p:tgtEl>
+                    <p:sldTgt/>
+                  </p:tgtEl>
+                </p:cond>
+              </p:prevCondLst>
+              <p:nextCondLst>
+                <p:cond evt="onNext" delay="0">
+                  <p:tgtEl>
+                    <p:sldTgt/>
+                  </p:tgtEl>
+                </p:cond>
+              </p:nextCondLst>
+            </p:seq>
+          </p:childTnLst>
+        </p:cTn>
+      </p:par>
+    </p:tnLst>
+    <p:bldLst>
+      <p:bldP spid="3" grpId="0" uiExpand="1" build="p"/>
     </p:bldLst>
   </p:timing>
 </p:sld>

--- a/fall17/slidesF17/trees-minimum.pptx
+++ b/fall17/slidesF17/trees-minimum.pptx
@@ -15414,7 +15414,23 @@
             </a:pPr>
             <a:r>
               <a:rPr lang="en-US" sz="4400" dirty="0" smtClean="0"/>
-              <a:t>Start with vertices w/o edges</a:t>
+              <a:t>Start with </a:t>
+            </a:r>
+            <a:r>
+              <a:rPr lang="en-US" sz="4400" dirty="0" smtClean="0"/>
+              <a:t>vertices, </a:t>
+            </a:r>
+            <a:r>
+              <a:rPr lang="en-US" sz="4400" dirty="0"/>
+              <a:t>n</a:t>
+            </a:r>
+            <a:r>
+              <a:rPr lang="en-US" sz="4400" dirty="0" smtClean="0"/>
+              <a:t>o </a:t>
+            </a:r>
+            <a:r>
+              <a:rPr lang="en-US" sz="4400" dirty="0" smtClean="0"/>
+              <a:t>edges</a:t>
             </a:r>
           </a:p>
           <a:p>
